--- a/astahm2t/UIdesign.pptx
+++ b/astahm2t/UIdesign.pptx
@@ -6,12 +6,14 @@
   </p:sldMasterIdLst>
   <p:sldIdLst>
     <p:sldId id="256" r:id="rId2"/>
-    <p:sldId id="257" r:id="rId3"/>
-    <p:sldId id="259" r:id="rId4"/>
-    <p:sldId id="261" r:id="rId5"/>
-    <p:sldId id="258" r:id="rId6"/>
-    <p:sldId id="262" r:id="rId7"/>
-    <p:sldId id="263" r:id="rId8"/>
+    <p:sldId id="264" r:id="rId3"/>
+    <p:sldId id="257" r:id="rId4"/>
+    <p:sldId id="259" r:id="rId5"/>
+    <p:sldId id="261" r:id="rId6"/>
+    <p:sldId id="258" r:id="rId7"/>
+    <p:sldId id="262" r:id="rId8"/>
+    <p:sldId id="263" r:id="rId9"/>
+    <p:sldId id="265" r:id="rId10"/>
   </p:sldIdLst>
   <p:sldSz cx="12192000" cy="6858000"/>
   <p:notesSz cx="6858000" cy="9144000"/>
@@ -110,6 +112,11 @@
       </a:defRPr>
     </a:lvl9pPr>
   </p:defaultTextStyle>
+  <p:extLst>
+    <p:ext uri="{EFAFB233-063F-42B5-8137-9DF3F51BA10A}">
+      <p15:sldGuideLst xmlns:p15="http://schemas.microsoft.com/office/powerpoint/2012/main"/>
+    </p:ext>
+  </p:extLst>
 </p:presentation>
 </file>
 
@@ -244,7 +251,7 @@
           <a:p>
             <a:fld id="{208FECE9-D519-4FFB-9E3B-3344ABDAD6F2}" type="datetimeFigureOut">
               <a:rPr kumimoji="1" lang="ja-JP" altLang="en-US" smtClean="0"/>
-              <a:t>2015/5/23</a:t>
+              <a:t>2015/6/13</a:t>
             </a:fld>
             <a:endParaRPr kumimoji="1" lang="ja-JP" altLang="en-US"/>
           </a:p>
@@ -446,7 +453,7 @@
           <a:p>
             <a:fld id="{208FECE9-D519-4FFB-9E3B-3344ABDAD6F2}" type="datetimeFigureOut">
               <a:rPr kumimoji="1" lang="ja-JP" altLang="en-US" smtClean="0"/>
-              <a:t>2015/5/23</a:t>
+              <a:t>2015/6/13</a:t>
             </a:fld>
             <a:endParaRPr kumimoji="1" lang="ja-JP" altLang="en-US"/>
           </a:p>
@@ -658,7 +665,7 @@
           <a:p>
             <a:fld id="{208FECE9-D519-4FFB-9E3B-3344ABDAD6F2}" type="datetimeFigureOut">
               <a:rPr kumimoji="1" lang="ja-JP" altLang="en-US" smtClean="0"/>
-              <a:t>2015/5/23</a:t>
+              <a:t>2015/6/13</a:t>
             </a:fld>
             <a:endParaRPr kumimoji="1" lang="ja-JP" altLang="en-US"/>
           </a:p>
@@ -870,7 +877,7 @@
           <a:p>
             <a:fld id="{208FECE9-D519-4FFB-9E3B-3344ABDAD6F2}" type="datetimeFigureOut">
               <a:rPr kumimoji="1" lang="ja-JP" altLang="en-US" smtClean="0"/>
-              <a:t>2015/5/23</a:t>
+              <a:t>2015/6/13</a:t>
             </a:fld>
             <a:endParaRPr kumimoji="1" lang="ja-JP" altLang="en-US"/>
           </a:p>
@@ -1116,7 +1123,7 @@
           <a:p>
             <a:fld id="{208FECE9-D519-4FFB-9E3B-3344ABDAD6F2}" type="datetimeFigureOut">
               <a:rPr kumimoji="1" lang="ja-JP" altLang="en-US" smtClean="0"/>
-              <a:t>2015/5/23</a:t>
+              <a:t>2015/6/13</a:t>
             </a:fld>
             <a:endParaRPr kumimoji="1" lang="ja-JP" altLang="en-US"/>
           </a:p>
@@ -1412,7 +1419,7 @@
           <a:p>
             <a:fld id="{208FECE9-D519-4FFB-9E3B-3344ABDAD6F2}" type="datetimeFigureOut">
               <a:rPr kumimoji="1" lang="ja-JP" altLang="en-US" smtClean="0"/>
-              <a:t>2015/5/23</a:t>
+              <a:t>2015/6/13</a:t>
             </a:fld>
             <a:endParaRPr kumimoji="1" lang="ja-JP" altLang="en-US"/>
           </a:p>
@@ -1843,7 +1850,7 @@
           <a:p>
             <a:fld id="{208FECE9-D519-4FFB-9E3B-3344ABDAD6F2}" type="datetimeFigureOut">
               <a:rPr kumimoji="1" lang="ja-JP" altLang="en-US" smtClean="0"/>
-              <a:t>2015/5/23</a:t>
+              <a:t>2015/6/13</a:t>
             </a:fld>
             <a:endParaRPr kumimoji="1" lang="ja-JP" altLang="en-US"/>
           </a:p>
@@ -1961,7 +1968,7 @@
           <a:p>
             <a:fld id="{208FECE9-D519-4FFB-9E3B-3344ABDAD6F2}" type="datetimeFigureOut">
               <a:rPr kumimoji="1" lang="ja-JP" altLang="en-US" smtClean="0"/>
-              <a:t>2015/5/23</a:t>
+              <a:t>2015/6/13</a:t>
             </a:fld>
             <a:endParaRPr kumimoji="1" lang="ja-JP" altLang="en-US"/>
           </a:p>
@@ -2056,7 +2063,7 @@
           <a:p>
             <a:fld id="{208FECE9-D519-4FFB-9E3B-3344ABDAD6F2}" type="datetimeFigureOut">
               <a:rPr kumimoji="1" lang="ja-JP" altLang="en-US" smtClean="0"/>
-              <a:t>2015/5/23</a:t>
+              <a:t>2015/6/13</a:t>
             </a:fld>
             <a:endParaRPr kumimoji="1" lang="ja-JP" altLang="en-US"/>
           </a:p>
@@ -2365,7 +2372,7 @@
           <a:p>
             <a:fld id="{208FECE9-D519-4FFB-9E3B-3344ABDAD6F2}" type="datetimeFigureOut">
               <a:rPr kumimoji="1" lang="ja-JP" altLang="en-US" smtClean="0"/>
-              <a:t>2015/5/23</a:t>
+              <a:t>2015/6/13</a:t>
             </a:fld>
             <a:endParaRPr kumimoji="1" lang="ja-JP" altLang="en-US"/>
           </a:p>
@@ -2618,7 +2625,7 @@
           <a:p>
             <a:fld id="{208FECE9-D519-4FFB-9E3B-3344ABDAD6F2}" type="datetimeFigureOut">
               <a:rPr kumimoji="1" lang="ja-JP" altLang="en-US" smtClean="0"/>
-              <a:t>2015/5/23</a:t>
+              <a:t>2015/6/13</a:t>
             </a:fld>
             <a:endParaRPr kumimoji="1" lang="ja-JP" altLang="en-US"/>
           </a:p>
@@ -2863,7 +2870,7 @@
           <a:p>
             <a:fld id="{208FECE9-D519-4FFB-9E3B-3344ABDAD6F2}" type="datetimeFigureOut">
               <a:rPr kumimoji="1" lang="ja-JP" altLang="en-US" smtClean="0"/>
-              <a:t>2015/5/23</a:t>
+              <a:t>2015/6/13</a:t>
             </a:fld>
             <a:endParaRPr kumimoji="1" lang="ja-JP" altLang="en-US"/>
           </a:p>
@@ -3338,6 +3345,76 @@
       </p:grpSpPr>
       <p:sp>
         <p:nvSpPr>
+          <p:cNvPr id="2" name="タイトル 1"/>
+          <p:cNvSpPr>
+            <a:spLocks noGrp="1"/>
+          </p:cNvSpPr>
+          <p:nvPr>
+            <p:ph type="title"/>
+          </p:nvPr>
+        </p:nvSpPr>
+        <p:spPr/>
+        <p:txBody>
+          <a:bodyPr>
+            <a:normAutofit fontScale="90000"/>
+          </a:bodyPr>
+          <a:lstStyle/>
+          <a:p>
+            <a:endParaRPr kumimoji="1" lang="ja-JP" altLang="en-US" dirty="0"/>
+          </a:p>
+        </p:txBody>
+      </p:sp>
+      <p:sp>
+        <p:nvSpPr>
+          <p:cNvPr id="3" name="コンテンツ プレースホルダー 2"/>
+          <p:cNvSpPr>
+            <a:spLocks noGrp="1"/>
+          </p:cNvSpPr>
+          <p:nvPr>
+            <p:ph idx="1"/>
+          </p:nvPr>
+        </p:nvSpPr>
+        <p:spPr/>
+        <p:txBody>
+          <a:bodyPr/>
+          <a:lstStyle/>
+          <a:p>
+            <a:endParaRPr kumimoji="1" lang="ja-JP" altLang="en-US"/>
+          </a:p>
+        </p:txBody>
+      </p:sp>
+    </p:spTree>
+    <p:extLst>
+      <p:ext uri="{BB962C8B-B14F-4D97-AF65-F5344CB8AC3E}">
+        <p14:creationId xmlns:p14="http://schemas.microsoft.com/office/powerpoint/2010/main" val="2551660259"/>
+      </p:ext>
+    </p:extLst>
+  </p:cSld>
+  <p:clrMapOvr>
+    <a:masterClrMapping/>
+  </p:clrMapOvr>
+</p:sld>
+</file>
+
+<file path=ppt/slides/slide3.xml><?xml version="1.0" encoding="utf-8"?>
+<p:sld xmlns:a="http://schemas.openxmlformats.org/drawingml/2006/main" xmlns:r="http://schemas.openxmlformats.org/officeDocument/2006/relationships" xmlns:p="http://schemas.openxmlformats.org/presentationml/2006/main">
+  <p:cSld>
+    <p:spTree>
+      <p:nvGrpSpPr>
+        <p:cNvPr id="1" name=""/>
+        <p:cNvGrpSpPr/>
+        <p:nvPr/>
+      </p:nvGrpSpPr>
+      <p:grpSpPr>
+        <a:xfrm>
+          <a:off x="0" y="0"/>
+          <a:ext cx="0" cy="0"/>
+          <a:chOff x="0" y="0"/>
+          <a:chExt cx="0" cy="0"/>
+        </a:xfrm>
+      </p:grpSpPr>
+      <p:sp>
+        <p:nvSpPr>
           <p:cNvPr id="4" name="正方形/長方形 3"/>
           <p:cNvSpPr/>
           <p:nvPr/>
@@ -3705,7 +3782,7 @@
 </p:sld>
 </file>
 
-<file path=ppt/slides/slide3.xml><?xml version="1.0" encoding="utf-8"?>
+<file path=ppt/slides/slide4.xml><?xml version="1.0" encoding="utf-8"?>
 <p:sld xmlns:a="http://schemas.openxmlformats.org/drawingml/2006/main" xmlns:r="http://schemas.openxmlformats.org/officeDocument/2006/relationships" xmlns:p="http://schemas.openxmlformats.org/presentationml/2006/main">
   <p:cSld>
     <p:spTree>
@@ -4410,7 +4487,7 @@
 </p:sld>
 </file>
 
-<file path=ppt/slides/slide4.xml><?xml version="1.0" encoding="utf-8"?>
+<file path=ppt/slides/slide5.xml><?xml version="1.0" encoding="utf-8"?>
 <p:sld xmlns:a="http://schemas.openxmlformats.org/drawingml/2006/main" xmlns:r="http://schemas.openxmlformats.org/officeDocument/2006/relationships" xmlns:p="http://schemas.openxmlformats.org/presentationml/2006/main">
   <p:cSld>
     <p:spTree>
@@ -5136,273 +5213,6 @@
 </p:sld>
 </file>
 
-<file path=ppt/slides/slide5.xml><?xml version="1.0" encoding="utf-8"?>
-<p:sld xmlns:a="http://schemas.openxmlformats.org/drawingml/2006/main" xmlns:r="http://schemas.openxmlformats.org/officeDocument/2006/relationships" xmlns:p="http://schemas.openxmlformats.org/presentationml/2006/main">
-  <p:cSld>
-    <p:spTree>
-      <p:nvGrpSpPr>
-        <p:cNvPr id="1" name=""/>
-        <p:cNvGrpSpPr/>
-        <p:nvPr/>
-      </p:nvGrpSpPr>
-      <p:grpSpPr>
-        <a:xfrm>
-          <a:off x="0" y="0"/>
-          <a:ext cx="0" cy="0"/>
-          <a:chOff x="0" y="0"/>
-          <a:chExt cx="0" cy="0"/>
-        </a:xfrm>
-      </p:grpSpPr>
-      <p:sp>
-        <p:nvSpPr>
-          <p:cNvPr id="4" name="正方形/長方形 3"/>
-          <p:cNvSpPr/>
-          <p:nvPr/>
-        </p:nvSpPr>
-        <p:spPr>
-          <a:xfrm>
-            <a:off x="301989" y="331662"/>
-            <a:ext cx="5489211" cy="3992688"/>
-          </a:xfrm>
-          <a:prstGeom prst="rect">
-            <a:avLst/>
-          </a:prstGeom>
-          <a:solidFill>
-            <a:schemeClr val="bg1">
-              <a:lumMod val="85000"/>
-            </a:schemeClr>
-          </a:solidFill>
-        </p:spPr>
-        <p:style>
-          <a:lnRef idx="2">
-            <a:schemeClr val="accent1">
-              <a:shade val="50000"/>
-            </a:schemeClr>
-          </a:lnRef>
-          <a:fillRef idx="1">
-            <a:schemeClr val="accent1"/>
-          </a:fillRef>
-          <a:effectRef idx="0">
-            <a:schemeClr val="accent1"/>
-          </a:effectRef>
-          <a:fontRef idx="minor">
-            <a:schemeClr val="lt1"/>
-          </a:fontRef>
-        </p:style>
-        <p:txBody>
-          <a:bodyPr rtlCol="0" anchor="t"/>
-          <a:lstStyle/>
-          <a:p>
-            <a:pPr algn="ctr"/>
-            <a:r>
-              <a:rPr kumimoji="1" lang="en-US" altLang="ja-JP" dirty="0" smtClean="0">
-                <a:solidFill>
-                  <a:schemeClr val="tx1"/>
-                </a:solidFill>
-              </a:rPr>
-              <a:t>General Setting</a:t>
-            </a:r>
-            <a:endParaRPr kumimoji="1" lang="ja-JP" altLang="en-US" dirty="0">
-              <a:solidFill>
-                <a:schemeClr val="tx1"/>
-              </a:solidFill>
-            </a:endParaRPr>
-          </a:p>
-        </p:txBody>
-      </p:sp>
-      <p:sp>
-        <p:nvSpPr>
-          <p:cNvPr id="5" name="正方形/長方形 4"/>
-          <p:cNvSpPr/>
-          <p:nvPr/>
-        </p:nvSpPr>
-        <p:spPr>
-          <a:xfrm>
-            <a:off x="361949" y="740150"/>
-            <a:ext cx="5335825" cy="3450850"/>
-          </a:xfrm>
-          <a:prstGeom prst="rect">
-            <a:avLst/>
-          </a:prstGeom>
-          <a:solidFill>
-            <a:schemeClr val="bg1">
-              <a:lumMod val="95000"/>
-            </a:schemeClr>
-          </a:solidFill>
-        </p:spPr>
-        <p:style>
-          <a:lnRef idx="2">
-            <a:schemeClr val="accent1">
-              <a:shade val="50000"/>
-            </a:schemeClr>
-          </a:lnRef>
-          <a:fillRef idx="1">
-            <a:schemeClr val="accent1"/>
-          </a:fillRef>
-          <a:effectRef idx="0">
-            <a:schemeClr val="accent1"/>
-          </a:effectRef>
-          <a:fontRef idx="minor">
-            <a:schemeClr val="lt1"/>
-          </a:fontRef>
-        </p:style>
-        <p:txBody>
-          <a:bodyPr rtlCol="0" anchor="t"/>
-          <a:lstStyle/>
-          <a:p>
-            <a:endParaRPr kumimoji="1" lang="ja-JP" altLang="en-US" dirty="0">
-              <a:solidFill>
-                <a:schemeClr val="tx1"/>
-              </a:solidFill>
-            </a:endParaRPr>
-          </a:p>
-        </p:txBody>
-      </p:sp>
-      <p:sp>
-        <p:nvSpPr>
-          <p:cNvPr id="11" name="正方形/長方形 10"/>
-          <p:cNvSpPr/>
-          <p:nvPr/>
-        </p:nvSpPr>
-        <p:spPr>
-          <a:xfrm>
-            <a:off x="2130164" y="3643555"/>
-            <a:ext cx="633335" cy="408160"/>
-          </a:xfrm>
-          <a:prstGeom prst="rect">
-            <a:avLst/>
-          </a:prstGeom>
-        </p:spPr>
-        <p:style>
-          <a:lnRef idx="1">
-            <a:schemeClr val="accent3"/>
-          </a:lnRef>
-          <a:fillRef idx="2">
-            <a:schemeClr val="accent3"/>
-          </a:fillRef>
-          <a:effectRef idx="1">
-            <a:schemeClr val="accent3"/>
-          </a:effectRef>
-          <a:fontRef idx="minor">
-            <a:schemeClr val="dk1"/>
-          </a:fontRef>
-        </p:style>
-        <p:txBody>
-          <a:bodyPr rtlCol="0" anchor="ctr"/>
-          <a:lstStyle/>
-          <a:p>
-            <a:pPr algn="ctr"/>
-            <a:r>
-              <a:rPr kumimoji="1" lang="en-US" altLang="ja-JP" dirty="0" smtClean="0"/>
-              <a:t>OK</a:t>
-            </a:r>
-            <a:endParaRPr kumimoji="1" lang="ja-JP" altLang="en-US" dirty="0"/>
-          </a:p>
-        </p:txBody>
-      </p:sp>
-      <p:sp>
-        <p:nvSpPr>
-          <p:cNvPr id="12" name="正方形/長方形 11"/>
-          <p:cNvSpPr/>
-          <p:nvPr/>
-        </p:nvSpPr>
-        <p:spPr>
-          <a:xfrm>
-            <a:off x="2829392" y="3643555"/>
-            <a:ext cx="1209676" cy="408160"/>
-          </a:xfrm>
-          <a:prstGeom prst="rect">
-            <a:avLst/>
-          </a:prstGeom>
-        </p:spPr>
-        <p:style>
-          <a:lnRef idx="1">
-            <a:schemeClr val="accent3"/>
-          </a:lnRef>
-          <a:fillRef idx="2">
-            <a:schemeClr val="accent3"/>
-          </a:fillRef>
-          <a:effectRef idx="1">
-            <a:schemeClr val="accent3"/>
-          </a:effectRef>
-          <a:fontRef idx="minor">
-            <a:schemeClr val="dk1"/>
-          </a:fontRef>
-        </p:style>
-        <p:txBody>
-          <a:bodyPr rtlCol="0" anchor="ctr"/>
-          <a:lstStyle/>
-          <a:p>
-            <a:pPr algn="ctr"/>
-            <a:r>
-              <a:rPr lang="en-US" altLang="ja-JP" dirty="0"/>
-              <a:t>Cancel</a:t>
-            </a:r>
-            <a:endParaRPr kumimoji="1" lang="ja-JP" altLang="en-US" dirty="0"/>
-          </a:p>
-        </p:txBody>
-      </p:sp>
-      <p:sp>
-        <p:nvSpPr>
-          <p:cNvPr id="16" name="コンテンツ プレースホルダー 15"/>
-          <p:cNvSpPr>
-            <a:spLocks noGrp="1"/>
-          </p:cNvSpPr>
-          <p:nvPr>
-            <p:ph idx="1"/>
-          </p:nvPr>
-        </p:nvSpPr>
-        <p:spPr>
-          <a:xfrm>
-            <a:off x="6362700" y="331662"/>
-            <a:ext cx="5314950" cy="6240588"/>
-          </a:xfrm>
-        </p:spPr>
-        <p:txBody>
-          <a:bodyPr/>
-          <a:lstStyle/>
-          <a:p>
-            <a:r>
-              <a:rPr kumimoji="1" lang="en-US" altLang="ja-JP" dirty="0" smtClean="0"/>
-              <a:t>Template</a:t>
-            </a:r>
-            <a:r>
-              <a:rPr kumimoji="1" lang="ja-JP" altLang="en-US" dirty="0" smtClean="0"/>
-              <a:t> </a:t>
-            </a:r>
-            <a:r>
-              <a:rPr kumimoji="1" lang="en-US" altLang="ja-JP" dirty="0" smtClean="0"/>
-              <a:t>Directory</a:t>
-            </a:r>
-          </a:p>
-          <a:p>
-            <a:r>
-              <a:rPr lang="en-US" altLang="ja-JP" dirty="0"/>
-              <a:t>Default Distribute </a:t>
-            </a:r>
-            <a:r>
-              <a:rPr lang="en-US" altLang="ja-JP" dirty="0" smtClean="0"/>
-              <a:t>Directory</a:t>
-            </a:r>
-          </a:p>
-          <a:p>
-            <a:endParaRPr kumimoji="1" lang="ja-JP" altLang="en-US" dirty="0"/>
-          </a:p>
-        </p:txBody>
-      </p:sp>
-    </p:spTree>
-    <p:extLst>
-      <p:ext uri="{BB962C8B-B14F-4D97-AF65-F5344CB8AC3E}">
-        <p14:creationId xmlns:p14="http://schemas.microsoft.com/office/powerpoint/2010/main" val="3704525151"/>
-      </p:ext>
-    </p:extLst>
-  </p:cSld>
-  <p:clrMapOvr>
-    <a:masterClrMapping/>
-  </p:clrMapOvr>
-</p:sld>
-</file>
-
 <file path=ppt/slides/slide6.xml><?xml version="1.0" encoding="utf-8"?>
 <p:sld xmlns:a="http://schemas.openxmlformats.org/drawingml/2006/main" xmlns:r="http://schemas.openxmlformats.org/officeDocument/2006/relationships" xmlns:p="http://schemas.openxmlformats.org/presentationml/2006/main">
   <p:cSld>
@@ -5422,39 +5232,119 @@
       </p:grpSpPr>
       <p:sp>
         <p:nvSpPr>
-          <p:cNvPr id="6" name="タイトル 5"/>
-          <p:cNvSpPr>
-            <a:spLocks noGrp="1"/>
-          </p:cNvSpPr>
-          <p:nvPr>
-            <p:ph type="title"/>
-          </p:nvPr>
-        </p:nvSpPr>
-        <p:spPr/>
-        <p:txBody>
-          <a:bodyPr>
-            <a:normAutofit fontScale="90000"/>
-          </a:bodyPr>
-          <a:lstStyle/>
-          <a:p>
-            <a:r>
-              <a:rPr kumimoji="1" lang="en-US" altLang="ja-JP" dirty="0" smtClean="0"/>
-              <a:t>Code Generation (stereotype )</a:t>
-            </a:r>
-            <a:endParaRPr kumimoji="1" lang="ja-JP" altLang="en-US" dirty="0"/>
-          </a:p>
-        </p:txBody>
-      </p:sp>
-      <p:sp>
-        <p:nvSpPr>
-          <p:cNvPr id="8" name="正方形/長方形 7"/>
+          <p:cNvPr id="4" name="正方形/長方形 3"/>
           <p:cNvSpPr/>
           <p:nvPr/>
         </p:nvSpPr>
         <p:spPr>
           <a:xfrm>
-            <a:off x="419100" y="2305050"/>
-            <a:ext cx="2705100" cy="2419350"/>
+            <a:off x="301989" y="331662"/>
+            <a:ext cx="5489211" cy="3992688"/>
+          </a:xfrm>
+          <a:prstGeom prst="rect">
+            <a:avLst/>
+          </a:prstGeom>
+          <a:solidFill>
+            <a:schemeClr val="bg1">
+              <a:lumMod val="85000"/>
+            </a:schemeClr>
+          </a:solidFill>
+        </p:spPr>
+        <p:style>
+          <a:lnRef idx="2">
+            <a:schemeClr val="accent1">
+              <a:shade val="50000"/>
+            </a:schemeClr>
+          </a:lnRef>
+          <a:fillRef idx="1">
+            <a:schemeClr val="accent1"/>
+          </a:fillRef>
+          <a:effectRef idx="0">
+            <a:schemeClr val="accent1"/>
+          </a:effectRef>
+          <a:fontRef idx="minor">
+            <a:schemeClr val="lt1"/>
+          </a:fontRef>
+        </p:style>
+        <p:txBody>
+          <a:bodyPr rtlCol="0" anchor="t"/>
+          <a:lstStyle/>
+          <a:p>
+            <a:pPr algn="ctr"/>
+            <a:r>
+              <a:rPr kumimoji="1" lang="en-US" altLang="ja-JP" dirty="0" smtClean="0">
+                <a:solidFill>
+                  <a:schemeClr val="tx1"/>
+                </a:solidFill>
+              </a:rPr>
+              <a:t>General Setting</a:t>
+            </a:r>
+            <a:endParaRPr kumimoji="1" lang="ja-JP" altLang="en-US" dirty="0">
+              <a:solidFill>
+                <a:schemeClr val="tx1"/>
+              </a:solidFill>
+            </a:endParaRPr>
+          </a:p>
+        </p:txBody>
+      </p:sp>
+      <p:sp>
+        <p:nvSpPr>
+          <p:cNvPr id="5" name="正方形/長方形 4"/>
+          <p:cNvSpPr/>
+          <p:nvPr/>
+        </p:nvSpPr>
+        <p:spPr>
+          <a:xfrm>
+            <a:off x="361949" y="740150"/>
+            <a:ext cx="5335825" cy="3450850"/>
+          </a:xfrm>
+          <a:prstGeom prst="rect">
+            <a:avLst/>
+          </a:prstGeom>
+          <a:solidFill>
+            <a:schemeClr val="bg1">
+              <a:lumMod val="95000"/>
+            </a:schemeClr>
+          </a:solidFill>
+        </p:spPr>
+        <p:style>
+          <a:lnRef idx="2">
+            <a:schemeClr val="accent1">
+              <a:shade val="50000"/>
+            </a:schemeClr>
+          </a:lnRef>
+          <a:fillRef idx="1">
+            <a:schemeClr val="accent1"/>
+          </a:fillRef>
+          <a:effectRef idx="0">
+            <a:schemeClr val="accent1"/>
+          </a:effectRef>
+          <a:fontRef idx="minor">
+            <a:schemeClr val="lt1"/>
+          </a:fontRef>
+        </p:style>
+        <p:txBody>
+          <a:bodyPr rtlCol="0" anchor="t"/>
+          <a:lstStyle/>
+          <a:p>
+            <a:endParaRPr kumimoji="1" lang="ja-JP" altLang="en-US" dirty="0">
+              <a:solidFill>
+                <a:schemeClr val="tx1"/>
+              </a:solidFill>
+            </a:endParaRPr>
+          </a:p>
+        </p:txBody>
+      </p:sp>
+      <p:sp>
+        <p:nvSpPr>
+          <p:cNvPr id="11" name="正方形/長方形 10"/>
+          <p:cNvSpPr/>
+          <p:nvPr/>
+        </p:nvSpPr>
+        <p:spPr>
+          <a:xfrm>
+            <a:off x="2130164" y="3643555"/>
+            <a:ext cx="633335" cy="408160"/>
           </a:xfrm>
           <a:prstGeom prst="rect">
             <a:avLst/>
@@ -5475,367 +5365,102 @@
           </a:fontRef>
         </p:style>
         <p:txBody>
-          <a:bodyPr rot="0" spcFirstLastPara="0" vertOverflow="overflow" horzOverflow="overflow" vert="horz" wrap="square" lIns="0" tIns="45720" rIns="0" bIns="45720" numCol="1" spcCol="0" rtlCol="0" fromWordArt="0" anchor="ctr" anchorCtr="0" forceAA="0" compatLnSpc="1">
-            <a:prstTxWarp prst="textNoShape">
-              <a:avLst/>
-            </a:prstTxWarp>
-            <a:noAutofit/>
-          </a:bodyPr>
+          <a:bodyPr rtlCol="0" anchor="ctr"/>
           <a:lstStyle/>
           <a:p>
             <a:pPr algn="ctr"/>
             <a:r>
-              <a:rPr lang="en-US" altLang="ja-JP" dirty="0" smtClean="0"/>
-              <a:t>Astah</a:t>
-            </a:r>
-            <a:endParaRPr kumimoji="1" lang="ja-JP" altLang="en-US" dirty="0" smtClean="0"/>
-          </a:p>
-        </p:txBody>
-      </p:sp>
-      <p:sp>
-        <p:nvSpPr>
-          <p:cNvPr id="9" name="正方形/長方形 8"/>
+              <a:rPr kumimoji="1" lang="en-US" altLang="ja-JP" dirty="0" smtClean="0"/>
+              <a:t>OK</a:t>
+            </a:r>
+            <a:endParaRPr kumimoji="1" lang="ja-JP" altLang="en-US" dirty="0"/>
+          </a:p>
+        </p:txBody>
+      </p:sp>
+      <p:sp>
+        <p:nvSpPr>
+          <p:cNvPr id="12" name="正方形/長方形 11"/>
           <p:cNvSpPr/>
           <p:nvPr/>
         </p:nvSpPr>
         <p:spPr>
           <a:xfrm>
-            <a:off x="4210050" y="1866900"/>
-            <a:ext cx="1714500" cy="857250"/>
+            <a:off x="2829392" y="3643555"/>
+            <a:ext cx="1209676" cy="408160"/>
           </a:xfrm>
           <a:prstGeom prst="rect">
             <a:avLst/>
           </a:prstGeom>
         </p:spPr>
         <p:style>
-          <a:lnRef idx="2">
-            <a:schemeClr val="accent5"/>
+          <a:lnRef idx="1">
+            <a:schemeClr val="accent3"/>
           </a:lnRef>
-          <a:fillRef idx="1">
-            <a:schemeClr val="lt1"/>
+          <a:fillRef idx="2">
+            <a:schemeClr val="accent3"/>
           </a:fillRef>
-          <a:effectRef idx="0">
-            <a:schemeClr val="accent5"/>
+          <a:effectRef idx="1">
+            <a:schemeClr val="accent3"/>
           </a:effectRef>
           <a:fontRef idx="minor">
             <a:schemeClr val="dk1"/>
           </a:fontRef>
         </p:style>
         <p:txBody>
-          <a:bodyPr rot="0" spcFirstLastPara="0" vertOverflow="overflow" horzOverflow="overflow" vert="horz" wrap="square" lIns="0" tIns="45720" rIns="0" bIns="45720" numCol="1" spcCol="0" rtlCol="0" fromWordArt="0" anchor="ctr" anchorCtr="0" forceAA="0" compatLnSpc="1">
-            <a:prstTxWarp prst="textNoShape">
-              <a:avLst/>
-            </a:prstTxWarp>
-            <a:noAutofit/>
-          </a:bodyPr>
+          <a:bodyPr rtlCol="0" anchor="ctr"/>
           <a:lstStyle/>
           <a:p>
             <a:pPr algn="ctr"/>
             <a:r>
+              <a:rPr lang="en-US" altLang="ja-JP" dirty="0"/>
+              <a:t>Cancel</a:t>
+            </a:r>
+            <a:endParaRPr kumimoji="1" lang="ja-JP" altLang="en-US" dirty="0"/>
+          </a:p>
+        </p:txBody>
+      </p:sp>
+      <p:sp>
+        <p:nvSpPr>
+          <p:cNvPr id="16" name="コンテンツ プレースホルダー 15"/>
+          <p:cNvSpPr>
+            <a:spLocks noGrp="1"/>
+          </p:cNvSpPr>
+          <p:nvPr>
+            <p:ph idx="1"/>
+          </p:nvPr>
+        </p:nvSpPr>
+        <p:spPr>
+          <a:xfrm>
+            <a:off x="6362700" y="331662"/>
+            <a:ext cx="5314950" cy="6240588"/>
+          </a:xfrm>
+        </p:spPr>
+        <p:txBody>
+          <a:bodyPr/>
+          <a:lstStyle/>
+          <a:p>
+            <a:r>
               <a:rPr kumimoji="1" lang="en-US" altLang="ja-JP" dirty="0" smtClean="0"/>
-              <a:t>Class</a:t>
-            </a:r>
-            <a:endParaRPr kumimoji="1" lang="ja-JP" altLang="en-US" dirty="0" smtClean="0"/>
-          </a:p>
-        </p:txBody>
-      </p:sp>
-      <p:sp>
-        <p:nvSpPr>
-          <p:cNvPr id="10" name="正方形/長方形 9"/>
-          <p:cNvSpPr/>
-          <p:nvPr/>
-        </p:nvSpPr>
-        <p:spPr>
-          <a:xfrm>
-            <a:off x="4591050" y="2590800"/>
-            <a:ext cx="1714500" cy="857250"/>
-          </a:xfrm>
-          <a:prstGeom prst="rect">
-            <a:avLst/>
-          </a:prstGeom>
-        </p:spPr>
-        <p:style>
-          <a:lnRef idx="2">
-            <a:schemeClr val="accent5"/>
-          </a:lnRef>
-          <a:fillRef idx="1">
-            <a:schemeClr val="lt1"/>
-          </a:fillRef>
-          <a:effectRef idx="0">
-            <a:schemeClr val="accent5"/>
-          </a:effectRef>
-          <a:fontRef idx="minor">
-            <a:schemeClr val="dk1"/>
-          </a:fontRef>
-        </p:style>
-        <p:txBody>
-          <a:bodyPr rot="0" spcFirstLastPara="0" vertOverflow="overflow" horzOverflow="overflow" vert="horz" wrap="square" lIns="0" tIns="45720" rIns="0" bIns="45720" numCol="1" spcCol="0" rtlCol="0" fromWordArt="0" anchor="ctr" anchorCtr="0" forceAA="0" compatLnSpc="1">
-            <a:prstTxWarp prst="textNoShape">
-              <a:avLst/>
-            </a:prstTxWarp>
-            <a:noAutofit/>
-          </a:bodyPr>
-          <a:lstStyle/>
-          <a:p>
-            <a:pPr algn="ctr"/>
-            <a:r>
-              <a:rPr kumimoji="1" lang="en-US" altLang="ja-JP" dirty="0" err="1" smtClean="0"/>
-              <a:t>StateMachine</a:t>
-            </a:r>
-            <a:endParaRPr kumimoji="1" lang="ja-JP" altLang="en-US" dirty="0" smtClean="0"/>
-          </a:p>
-        </p:txBody>
-      </p:sp>
-      <p:sp>
-        <p:nvSpPr>
-          <p:cNvPr id="11" name="正方形/長方形 10"/>
-          <p:cNvSpPr/>
-          <p:nvPr/>
-        </p:nvSpPr>
-        <p:spPr>
-          <a:xfrm>
-            <a:off x="4210050" y="4171950"/>
-            <a:ext cx="1714500" cy="857250"/>
-          </a:xfrm>
-          <a:prstGeom prst="rect">
-            <a:avLst/>
-          </a:prstGeom>
-        </p:spPr>
-        <p:style>
-          <a:lnRef idx="2">
-            <a:schemeClr val="accent5"/>
-          </a:lnRef>
-          <a:fillRef idx="1">
-            <a:schemeClr val="lt1"/>
-          </a:fillRef>
-          <a:effectRef idx="0">
-            <a:schemeClr val="accent5"/>
-          </a:effectRef>
-          <a:fontRef idx="minor">
-            <a:schemeClr val="dk1"/>
-          </a:fontRef>
-        </p:style>
-        <p:txBody>
-          <a:bodyPr rot="0" spcFirstLastPara="0" vertOverflow="overflow" horzOverflow="overflow" vert="horz" wrap="square" lIns="0" tIns="45720" rIns="0" bIns="45720" numCol="1" spcCol="0" rtlCol="0" fromWordArt="0" anchor="ctr" anchorCtr="0" forceAA="0" compatLnSpc="1">
-            <a:prstTxWarp prst="textNoShape">
-              <a:avLst/>
-            </a:prstTxWarp>
-            <a:noAutofit/>
-          </a:bodyPr>
-          <a:lstStyle/>
-          <a:p>
-            <a:pPr algn="ctr"/>
+              <a:t>Template</a:t>
+            </a:r>
+            <a:r>
+              <a:rPr kumimoji="1" lang="ja-JP" altLang="en-US" dirty="0" smtClean="0"/>
+              <a:t> </a:t>
+            </a:r>
+            <a:r>
+              <a:rPr kumimoji="1" lang="en-US" altLang="ja-JP" dirty="0" smtClean="0"/>
+              <a:t>Directory</a:t>
+            </a:r>
+          </a:p>
+          <a:p>
+            <a:r>
+              <a:rPr lang="en-US" altLang="ja-JP" dirty="0"/>
+              <a:t>Default Distribute </a:t>
+            </a:r>
             <a:r>
               <a:rPr lang="en-US" altLang="ja-JP" dirty="0" smtClean="0"/>
-              <a:t>&lt;&lt;</a:t>
-            </a:r>
-            <a:r>
-              <a:rPr lang="en-US" altLang="ja-JP" dirty="0" err="1" smtClean="0"/>
-              <a:t>sSereotype</a:t>
-            </a:r>
-            <a:r>
-              <a:rPr lang="en-US" altLang="ja-JP" dirty="0" smtClean="0"/>
-              <a:t>&gt;&gt;</a:t>
-            </a:r>
-            <a:endParaRPr kumimoji="1" lang="en-US" altLang="ja-JP" dirty="0" smtClean="0"/>
-          </a:p>
-          <a:p>
-            <a:pPr algn="ctr"/>
-            <a:r>
-              <a:rPr kumimoji="1" lang="en-US" altLang="ja-JP" dirty="0" smtClean="0"/>
-              <a:t>Class</a:t>
-            </a:r>
-            <a:endParaRPr kumimoji="1" lang="ja-JP" altLang="en-US" dirty="0" smtClean="0"/>
-          </a:p>
-        </p:txBody>
-      </p:sp>
-      <p:sp>
-        <p:nvSpPr>
-          <p:cNvPr id="12" name="正方形/長方形 11"/>
-          <p:cNvSpPr/>
-          <p:nvPr/>
-        </p:nvSpPr>
-        <p:spPr>
-          <a:xfrm>
-            <a:off x="4591050" y="4886325"/>
-            <a:ext cx="1714500" cy="857250"/>
-          </a:xfrm>
-          <a:prstGeom prst="rect">
-            <a:avLst/>
-          </a:prstGeom>
-        </p:spPr>
-        <p:style>
-          <a:lnRef idx="2">
-            <a:schemeClr val="accent5"/>
-          </a:lnRef>
-          <a:fillRef idx="1">
-            <a:schemeClr val="lt1"/>
-          </a:fillRef>
-          <a:effectRef idx="0">
-            <a:schemeClr val="accent5"/>
-          </a:effectRef>
-          <a:fontRef idx="minor">
-            <a:schemeClr val="dk1"/>
-          </a:fontRef>
-        </p:style>
-        <p:txBody>
-          <a:bodyPr rot="0" spcFirstLastPara="0" vertOverflow="overflow" horzOverflow="overflow" vert="horz" wrap="square" lIns="0" tIns="45720" rIns="0" bIns="45720" numCol="1" spcCol="0" rtlCol="0" fromWordArt="0" anchor="ctr" anchorCtr="0" forceAA="0" compatLnSpc="1">
-            <a:prstTxWarp prst="textNoShape">
-              <a:avLst/>
-            </a:prstTxWarp>
-            <a:noAutofit/>
-          </a:bodyPr>
-          <a:lstStyle/>
-          <a:p>
-            <a:pPr algn="ctr"/>
-            <a:r>
-              <a:rPr kumimoji="1" lang="en-US" altLang="ja-JP" dirty="0" err="1" smtClean="0"/>
-              <a:t>StateMachine</a:t>
-            </a:r>
-            <a:endParaRPr kumimoji="1" lang="ja-JP" altLang="en-US" dirty="0" smtClean="0"/>
-          </a:p>
-        </p:txBody>
-      </p:sp>
-      <p:sp>
-        <p:nvSpPr>
-          <p:cNvPr id="13" name="メモ 12"/>
-          <p:cNvSpPr/>
-          <p:nvPr/>
-        </p:nvSpPr>
-        <p:spPr>
-          <a:xfrm>
-            <a:off x="7943850" y="1924050"/>
-            <a:ext cx="3409950" cy="1200150"/>
-          </a:xfrm>
-          <a:prstGeom prst="foldedCorner">
-            <a:avLst/>
-          </a:prstGeom>
-        </p:spPr>
-        <p:style>
-          <a:lnRef idx="1">
-            <a:schemeClr val="accent4"/>
-          </a:lnRef>
-          <a:fillRef idx="2">
-            <a:schemeClr val="accent4"/>
-          </a:fillRef>
-          <a:effectRef idx="1">
-            <a:schemeClr val="accent4"/>
-          </a:effectRef>
-          <a:fontRef idx="minor">
-            <a:schemeClr val="dk1"/>
-          </a:fontRef>
-        </p:style>
-        <p:txBody>
-          <a:bodyPr rot="0" spcFirstLastPara="0" vertOverflow="overflow" horzOverflow="overflow" vert="horz" wrap="square" lIns="0" tIns="45720" rIns="0" bIns="45720" numCol="1" spcCol="0" rtlCol="0" fromWordArt="0" anchor="ctr" anchorCtr="0" forceAA="0" compatLnSpc="1">
-            <a:prstTxWarp prst="textNoShape">
-              <a:avLst/>
-            </a:prstTxWarp>
-            <a:noAutofit/>
-          </a:bodyPr>
-          <a:lstStyle/>
-          <a:p>
-            <a:pPr algn="ctr"/>
-            <a:r>
-              <a:rPr kumimoji="1" lang="en-US" altLang="ja-JP" dirty="0" err="1" smtClean="0"/>
-              <a:t>DefaultTemplate.groovy</a:t>
-            </a:r>
-            <a:endParaRPr kumimoji="1" lang="ja-JP" altLang="en-US" dirty="0" smtClean="0"/>
-          </a:p>
-        </p:txBody>
-      </p:sp>
-      <p:sp>
-        <p:nvSpPr>
-          <p:cNvPr id="14" name="メモ 13"/>
-          <p:cNvSpPr/>
-          <p:nvPr/>
-        </p:nvSpPr>
-        <p:spPr>
-          <a:xfrm>
-            <a:off x="7943850" y="4171950"/>
-            <a:ext cx="3409950" cy="1200150"/>
-          </a:xfrm>
-          <a:prstGeom prst="foldedCorner">
-            <a:avLst/>
-          </a:prstGeom>
-        </p:spPr>
-        <p:style>
-          <a:lnRef idx="1">
-            <a:schemeClr val="accent4"/>
-          </a:lnRef>
-          <a:fillRef idx="2">
-            <a:schemeClr val="accent4"/>
-          </a:fillRef>
-          <a:effectRef idx="1">
-            <a:schemeClr val="accent4"/>
-          </a:effectRef>
-          <a:fontRef idx="minor">
-            <a:schemeClr val="dk1"/>
-          </a:fontRef>
-        </p:style>
-        <p:txBody>
-          <a:bodyPr rot="0" spcFirstLastPara="0" vertOverflow="overflow" horzOverflow="overflow" vert="horz" wrap="square" lIns="0" tIns="45720" rIns="0" bIns="45720" numCol="1" spcCol="0" rtlCol="0" fromWordArt="0" anchor="ctr" anchorCtr="0" forceAA="0" compatLnSpc="1">
-            <a:prstTxWarp prst="textNoShape">
-              <a:avLst/>
-            </a:prstTxWarp>
-            <a:noAutofit/>
-          </a:bodyPr>
-          <a:lstStyle/>
-          <a:p>
-            <a:pPr algn="ctr"/>
-            <a:r>
-              <a:rPr lang="en-US" altLang="ja-JP" dirty="0" err="1" smtClean="0"/>
-              <a:t>Stereotype.groovy</a:t>
-            </a:r>
-            <a:endParaRPr kumimoji="1" lang="ja-JP" altLang="en-US" dirty="0" smtClean="0"/>
-          </a:p>
-        </p:txBody>
-      </p:sp>
-      <p:sp>
-        <p:nvSpPr>
-          <p:cNvPr id="15" name="テキスト ボックス 14"/>
-          <p:cNvSpPr txBox="1"/>
-          <p:nvPr/>
-        </p:nvSpPr>
-        <p:spPr>
-          <a:xfrm>
-            <a:off x="5202268" y="1162347"/>
-            <a:ext cx="4721164" cy="923330"/>
-          </a:xfrm>
-          <a:prstGeom prst="rect">
-            <a:avLst/>
-          </a:prstGeom>
-          <a:noFill/>
-        </p:spPr>
-        <p:txBody>
-          <a:bodyPr wrap="none" rtlCol="0">
-            <a:spAutoFit/>
-          </a:bodyPr>
-          <a:lstStyle/>
-          <a:p>
-            <a:r>
-              <a:rPr lang="ja-JP" altLang="en-US" dirty="0" smtClean="0"/>
-              <a:t>ステレオタイプ</a:t>
-            </a:r>
-            <a:r>
-              <a:rPr lang="ja-JP" altLang="en-US" dirty="0"/>
-              <a:t>ごとに</a:t>
-            </a:r>
-            <a:r>
-              <a:rPr lang="ja-JP" altLang="en-US" dirty="0" smtClean="0"/>
-              <a:t>，クラスとステートマシンの</a:t>
-            </a:r>
-            <a:endParaRPr lang="en-US" altLang="ja-JP" dirty="0" smtClean="0"/>
-          </a:p>
-          <a:p>
-            <a:r>
-              <a:rPr kumimoji="1" lang="ja-JP" altLang="en-US" dirty="0"/>
-              <a:t>セット</a:t>
-            </a:r>
-            <a:r>
-              <a:rPr kumimoji="1" lang="ja-JP" altLang="en-US" dirty="0" smtClean="0"/>
-              <a:t>を渡す</a:t>
-            </a:r>
-            <a:endParaRPr kumimoji="1" lang="en-US" altLang="ja-JP" dirty="0" smtClean="0"/>
+              <a:t>Directory</a:t>
+            </a:r>
           </a:p>
           <a:p>
             <a:endParaRPr kumimoji="1" lang="ja-JP" altLang="en-US" dirty="0"/>
@@ -5845,7 +5470,7 @@
     </p:spTree>
     <p:extLst>
       <p:ext uri="{BB962C8B-B14F-4D97-AF65-F5344CB8AC3E}">
-        <p14:creationId xmlns:p14="http://schemas.microsoft.com/office/powerpoint/2010/main" val="3817966951"/>
+        <p14:creationId xmlns:p14="http://schemas.microsoft.com/office/powerpoint/2010/main" val="3704525151"/>
       </p:ext>
     </p:extLst>
   </p:cSld>
@@ -5874,6 +5499,458 @@
       </p:grpSpPr>
       <p:sp>
         <p:nvSpPr>
+          <p:cNvPr id="6" name="タイトル 5"/>
+          <p:cNvSpPr>
+            <a:spLocks noGrp="1"/>
+          </p:cNvSpPr>
+          <p:nvPr>
+            <p:ph type="title"/>
+          </p:nvPr>
+        </p:nvSpPr>
+        <p:spPr/>
+        <p:txBody>
+          <a:bodyPr>
+            <a:normAutofit fontScale="90000"/>
+          </a:bodyPr>
+          <a:lstStyle/>
+          <a:p>
+            <a:r>
+              <a:rPr kumimoji="1" lang="en-US" altLang="ja-JP" dirty="0" smtClean="0"/>
+              <a:t>Code Generation (stereotype )</a:t>
+            </a:r>
+            <a:endParaRPr kumimoji="1" lang="ja-JP" altLang="en-US" dirty="0"/>
+          </a:p>
+        </p:txBody>
+      </p:sp>
+      <p:sp>
+        <p:nvSpPr>
+          <p:cNvPr id="8" name="正方形/長方形 7"/>
+          <p:cNvSpPr/>
+          <p:nvPr/>
+        </p:nvSpPr>
+        <p:spPr>
+          <a:xfrm>
+            <a:off x="419100" y="2305050"/>
+            <a:ext cx="2705100" cy="2419350"/>
+          </a:xfrm>
+          <a:prstGeom prst="rect">
+            <a:avLst/>
+          </a:prstGeom>
+        </p:spPr>
+        <p:style>
+          <a:lnRef idx="1">
+            <a:schemeClr val="accent3"/>
+          </a:lnRef>
+          <a:fillRef idx="2">
+            <a:schemeClr val="accent3"/>
+          </a:fillRef>
+          <a:effectRef idx="1">
+            <a:schemeClr val="accent3"/>
+          </a:effectRef>
+          <a:fontRef idx="minor">
+            <a:schemeClr val="dk1"/>
+          </a:fontRef>
+        </p:style>
+        <p:txBody>
+          <a:bodyPr rot="0" spcFirstLastPara="0" vertOverflow="overflow" horzOverflow="overflow" vert="horz" wrap="square" lIns="0" tIns="45720" rIns="0" bIns="45720" numCol="1" spcCol="0" rtlCol="0" fromWordArt="0" anchor="ctr" anchorCtr="0" forceAA="0" compatLnSpc="1">
+            <a:prstTxWarp prst="textNoShape">
+              <a:avLst/>
+            </a:prstTxWarp>
+            <a:noAutofit/>
+          </a:bodyPr>
+          <a:lstStyle/>
+          <a:p>
+            <a:pPr algn="ctr"/>
+            <a:r>
+              <a:rPr lang="en-US" altLang="ja-JP" dirty="0" smtClean="0"/>
+              <a:t>Astah</a:t>
+            </a:r>
+            <a:endParaRPr kumimoji="1" lang="ja-JP" altLang="en-US" dirty="0" smtClean="0"/>
+          </a:p>
+        </p:txBody>
+      </p:sp>
+      <p:sp>
+        <p:nvSpPr>
+          <p:cNvPr id="9" name="正方形/長方形 8"/>
+          <p:cNvSpPr/>
+          <p:nvPr/>
+        </p:nvSpPr>
+        <p:spPr>
+          <a:xfrm>
+            <a:off x="4210050" y="1866900"/>
+            <a:ext cx="1714500" cy="857250"/>
+          </a:xfrm>
+          <a:prstGeom prst="rect">
+            <a:avLst/>
+          </a:prstGeom>
+        </p:spPr>
+        <p:style>
+          <a:lnRef idx="2">
+            <a:schemeClr val="accent5"/>
+          </a:lnRef>
+          <a:fillRef idx="1">
+            <a:schemeClr val="lt1"/>
+          </a:fillRef>
+          <a:effectRef idx="0">
+            <a:schemeClr val="accent5"/>
+          </a:effectRef>
+          <a:fontRef idx="minor">
+            <a:schemeClr val="dk1"/>
+          </a:fontRef>
+        </p:style>
+        <p:txBody>
+          <a:bodyPr rot="0" spcFirstLastPara="0" vertOverflow="overflow" horzOverflow="overflow" vert="horz" wrap="square" lIns="0" tIns="45720" rIns="0" bIns="45720" numCol="1" spcCol="0" rtlCol="0" fromWordArt="0" anchor="ctr" anchorCtr="0" forceAA="0" compatLnSpc="1">
+            <a:prstTxWarp prst="textNoShape">
+              <a:avLst/>
+            </a:prstTxWarp>
+            <a:noAutofit/>
+          </a:bodyPr>
+          <a:lstStyle/>
+          <a:p>
+            <a:pPr algn="ctr"/>
+            <a:r>
+              <a:rPr kumimoji="1" lang="en-US" altLang="ja-JP" dirty="0" smtClean="0"/>
+              <a:t>Class</a:t>
+            </a:r>
+            <a:endParaRPr kumimoji="1" lang="ja-JP" altLang="en-US" dirty="0" smtClean="0"/>
+          </a:p>
+        </p:txBody>
+      </p:sp>
+      <p:sp>
+        <p:nvSpPr>
+          <p:cNvPr id="10" name="正方形/長方形 9"/>
+          <p:cNvSpPr/>
+          <p:nvPr/>
+        </p:nvSpPr>
+        <p:spPr>
+          <a:xfrm>
+            <a:off x="4591050" y="2590800"/>
+            <a:ext cx="1714500" cy="857250"/>
+          </a:xfrm>
+          <a:prstGeom prst="rect">
+            <a:avLst/>
+          </a:prstGeom>
+        </p:spPr>
+        <p:style>
+          <a:lnRef idx="2">
+            <a:schemeClr val="accent5"/>
+          </a:lnRef>
+          <a:fillRef idx="1">
+            <a:schemeClr val="lt1"/>
+          </a:fillRef>
+          <a:effectRef idx="0">
+            <a:schemeClr val="accent5"/>
+          </a:effectRef>
+          <a:fontRef idx="minor">
+            <a:schemeClr val="dk1"/>
+          </a:fontRef>
+        </p:style>
+        <p:txBody>
+          <a:bodyPr rot="0" spcFirstLastPara="0" vertOverflow="overflow" horzOverflow="overflow" vert="horz" wrap="square" lIns="0" tIns="45720" rIns="0" bIns="45720" numCol="1" spcCol="0" rtlCol="0" fromWordArt="0" anchor="ctr" anchorCtr="0" forceAA="0" compatLnSpc="1">
+            <a:prstTxWarp prst="textNoShape">
+              <a:avLst/>
+            </a:prstTxWarp>
+            <a:noAutofit/>
+          </a:bodyPr>
+          <a:lstStyle/>
+          <a:p>
+            <a:pPr algn="ctr"/>
+            <a:r>
+              <a:rPr kumimoji="1" lang="en-US" altLang="ja-JP" dirty="0" err="1" smtClean="0"/>
+              <a:t>StateMachine</a:t>
+            </a:r>
+            <a:endParaRPr kumimoji="1" lang="ja-JP" altLang="en-US" dirty="0" smtClean="0"/>
+          </a:p>
+        </p:txBody>
+      </p:sp>
+      <p:sp>
+        <p:nvSpPr>
+          <p:cNvPr id="11" name="正方形/長方形 10"/>
+          <p:cNvSpPr/>
+          <p:nvPr/>
+        </p:nvSpPr>
+        <p:spPr>
+          <a:xfrm>
+            <a:off x="4210050" y="4171950"/>
+            <a:ext cx="1714500" cy="857250"/>
+          </a:xfrm>
+          <a:prstGeom prst="rect">
+            <a:avLst/>
+          </a:prstGeom>
+        </p:spPr>
+        <p:style>
+          <a:lnRef idx="2">
+            <a:schemeClr val="accent5"/>
+          </a:lnRef>
+          <a:fillRef idx="1">
+            <a:schemeClr val="lt1"/>
+          </a:fillRef>
+          <a:effectRef idx="0">
+            <a:schemeClr val="accent5"/>
+          </a:effectRef>
+          <a:fontRef idx="minor">
+            <a:schemeClr val="dk1"/>
+          </a:fontRef>
+        </p:style>
+        <p:txBody>
+          <a:bodyPr rot="0" spcFirstLastPara="0" vertOverflow="overflow" horzOverflow="overflow" vert="horz" wrap="square" lIns="0" tIns="45720" rIns="0" bIns="45720" numCol="1" spcCol="0" rtlCol="0" fromWordArt="0" anchor="ctr" anchorCtr="0" forceAA="0" compatLnSpc="1">
+            <a:prstTxWarp prst="textNoShape">
+              <a:avLst/>
+            </a:prstTxWarp>
+            <a:noAutofit/>
+          </a:bodyPr>
+          <a:lstStyle/>
+          <a:p>
+            <a:pPr algn="ctr"/>
+            <a:r>
+              <a:rPr lang="en-US" altLang="ja-JP" dirty="0" smtClean="0"/>
+              <a:t>&lt;&lt;</a:t>
+            </a:r>
+            <a:r>
+              <a:rPr lang="en-US" altLang="ja-JP" dirty="0" err="1" smtClean="0"/>
+              <a:t>sSereotype</a:t>
+            </a:r>
+            <a:r>
+              <a:rPr lang="en-US" altLang="ja-JP" dirty="0" smtClean="0"/>
+              <a:t>&gt;&gt;</a:t>
+            </a:r>
+            <a:endParaRPr kumimoji="1" lang="en-US" altLang="ja-JP" dirty="0" smtClean="0"/>
+          </a:p>
+          <a:p>
+            <a:pPr algn="ctr"/>
+            <a:r>
+              <a:rPr kumimoji="1" lang="en-US" altLang="ja-JP" dirty="0" smtClean="0"/>
+              <a:t>Class</a:t>
+            </a:r>
+            <a:endParaRPr kumimoji="1" lang="ja-JP" altLang="en-US" dirty="0" smtClean="0"/>
+          </a:p>
+        </p:txBody>
+      </p:sp>
+      <p:sp>
+        <p:nvSpPr>
+          <p:cNvPr id="12" name="正方形/長方形 11"/>
+          <p:cNvSpPr/>
+          <p:nvPr/>
+        </p:nvSpPr>
+        <p:spPr>
+          <a:xfrm>
+            <a:off x="4591050" y="4886325"/>
+            <a:ext cx="1714500" cy="857250"/>
+          </a:xfrm>
+          <a:prstGeom prst="rect">
+            <a:avLst/>
+          </a:prstGeom>
+        </p:spPr>
+        <p:style>
+          <a:lnRef idx="2">
+            <a:schemeClr val="accent5"/>
+          </a:lnRef>
+          <a:fillRef idx="1">
+            <a:schemeClr val="lt1"/>
+          </a:fillRef>
+          <a:effectRef idx="0">
+            <a:schemeClr val="accent5"/>
+          </a:effectRef>
+          <a:fontRef idx="minor">
+            <a:schemeClr val="dk1"/>
+          </a:fontRef>
+        </p:style>
+        <p:txBody>
+          <a:bodyPr rot="0" spcFirstLastPara="0" vertOverflow="overflow" horzOverflow="overflow" vert="horz" wrap="square" lIns="0" tIns="45720" rIns="0" bIns="45720" numCol="1" spcCol="0" rtlCol="0" fromWordArt="0" anchor="ctr" anchorCtr="0" forceAA="0" compatLnSpc="1">
+            <a:prstTxWarp prst="textNoShape">
+              <a:avLst/>
+            </a:prstTxWarp>
+            <a:noAutofit/>
+          </a:bodyPr>
+          <a:lstStyle/>
+          <a:p>
+            <a:pPr algn="ctr"/>
+            <a:r>
+              <a:rPr kumimoji="1" lang="en-US" altLang="ja-JP" dirty="0" err="1" smtClean="0"/>
+              <a:t>StateMachine</a:t>
+            </a:r>
+            <a:endParaRPr kumimoji="1" lang="ja-JP" altLang="en-US" dirty="0" smtClean="0"/>
+          </a:p>
+        </p:txBody>
+      </p:sp>
+      <p:sp>
+        <p:nvSpPr>
+          <p:cNvPr id="13" name="メモ 12"/>
+          <p:cNvSpPr/>
+          <p:nvPr/>
+        </p:nvSpPr>
+        <p:spPr>
+          <a:xfrm>
+            <a:off x="7943850" y="1924050"/>
+            <a:ext cx="3409950" cy="1200150"/>
+          </a:xfrm>
+          <a:prstGeom prst="foldedCorner">
+            <a:avLst/>
+          </a:prstGeom>
+        </p:spPr>
+        <p:style>
+          <a:lnRef idx="1">
+            <a:schemeClr val="accent4"/>
+          </a:lnRef>
+          <a:fillRef idx="2">
+            <a:schemeClr val="accent4"/>
+          </a:fillRef>
+          <a:effectRef idx="1">
+            <a:schemeClr val="accent4"/>
+          </a:effectRef>
+          <a:fontRef idx="minor">
+            <a:schemeClr val="dk1"/>
+          </a:fontRef>
+        </p:style>
+        <p:txBody>
+          <a:bodyPr rot="0" spcFirstLastPara="0" vertOverflow="overflow" horzOverflow="overflow" vert="horz" wrap="square" lIns="0" tIns="45720" rIns="0" bIns="45720" numCol="1" spcCol="0" rtlCol="0" fromWordArt="0" anchor="ctr" anchorCtr="0" forceAA="0" compatLnSpc="1">
+            <a:prstTxWarp prst="textNoShape">
+              <a:avLst/>
+            </a:prstTxWarp>
+            <a:noAutofit/>
+          </a:bodyPr>
+          <a:lstStyle/>
+          <a:p>
+            <a:pPr algn="ctr"/>
+            <a:r>
+              <a:rPr kumimoji="1" lang="en-US" altLang="ja-JP" dirty="0" err="1" smtClean="0"/>
+              <a:t>DefaultTemplate.groovy</a:t>
+            </a:r>
+            <a:endParaRPr kumimoji="1" lang="ja-JP" altLang="en-US" dirty="0" smtClean="0"/>
+          </a:p>
+        </p:txBody>
+      </p:sp>
+      <p:sp>
+        <p:nvSpPr>
+          <p:cNvPr id="14" name="メモ 13"/>
+          <p:cNvSpPr/>
+          <p:nvPr/>
+        </p:nvSpPr>
+        <p:spPr>
+          <a:xfrm>
+            <a:off x="7943850" y="4171950"/>
+            <a:ext cx="3409950" cy="1200150"/>
+          </a:xfrm>
+          <a:prstGeom prst="foldedCorner">
+            <a:avLst/>
+          </a:prstGeom>
+        </p:spPr>
+        <p:style>
+          <a:lnRef idx="1">
+            <a:schemeClr val="accent4"/>
+          </a:lnRef>
+          <a:fillRef idx="2">
+            <a:schemeClr val="accent4"/>
+          </a:fillRef>
+          <a:effectRef idx="1">
+            <a:schemeClr val="accent4"/>
+          </a:effectRef>
+          <a:fontRef idx="minor">
+            <a:schemeClr val="dk1"/>
+          </a:fontRef>
+        </p:style>
+        <p:txBody>
+          <a:bodyPr rot="0" spcFirstLastPara="0" vertOverflow="overflow" horzOverflow="overflow" vert="horz" wrap="square" lIns="0" tIns="45720" rIns="0" bIns="45720" numCol="1" spcCol="0" rtlCol="0" fromWordArt="0" anchor="ctr" anchorCtr="0" forceAA="0" compatLnSpc="1">
+            <a:prstTxWarp prst="textNoShape">
+              <a:avLst/>
+            </a:prstTxWarp>
+            <a:noAutofit/>
+          </a:bodyPr>
+          <a:lstStyle/>
+          <a:p>
+            <a:pPr algn="ctr"/>
+            <a:r>
+              <a:rPr lang="en-US" altLang="ja-JP" dirty="0" err="1" smtClean="0"/>
+              <a:t>Stereotype.groovy</a:t>
+            </a:r>
+            <a:endParaRPr kumimoji="1" lang="ja-JP" altLang="en-US" dirty="0" smtClean="0"/>
+          </a:p>
+        </p:txBody>
+      </p:sp>
+      <p:sp>
+        <p:nvSpPr>
+          <p:cNvPr id="15" name="テキスト ボックス 14"/>
+          <p:cNvSpPr txBox="1"/>
+          <p:nvPr/>
+        </p:nvSpPr>
+        <p:spPr>
+          <a:xfrm>
+            <a:off x="5202268" y="1162347"/>
+            <a:ext cx="4721164" cy="923330"/>
+          </a:xfrm>
+          <a:prstGeom prst="rect">
+            <a:avLst/>
+          </a:prstGeom>
+          <a:noFill/>
+        </p:spPr>
+        <p:txBody>
+          <a:bodyPr wrap="none" rtlCol="0">
+            <a:spAutoFit/>
+          </a:bodyPr>
+          <a:lstStyle/>
+          <a:p>
+            <a:r>
+              <a:rPr lang="ja-JP" altLang="en-US" dirty="0" smtClean="0"/>
+              <a:t>ステレオタイプ</a:t>
+            </a:r>
+            <a:r>
+              <a:rPr lang="ja-JP" altLang="en-US" dirty="0"/>
+              <a:t>ごとに</a:t>
+            </a:r>
+            <a:r>
+              <a:rPr lang="ja-JP" altLang="en-US" dirty="0" smtClean="0"/>
+              <a:t>，クラスとステートマシンの</a:t>
+            </a:r>
+            <a:endParaRPr lang="en-US" altLang="ja-JP" dirty="0" smtClean="0"/>
+          </a:p>
+          <a:p>
+            <a:r>
+              <a:rPr kumimoji="1" lang="ja-JP" altLang="en-US" dirty="0"/>
+              <a:t>セット</a:t>
+            </a:r>
+            <a:r>
+              <a:rPr kumimoji="1" lang="ja-JP" altLang="en-US" dirty="0" smtClean="0"/>
+              <a:t>を渡す</a:t>
+            </a:r>
+            <a:endParaRPr kumimoji="1" lang="en-US" altLang="ja-JP" dirty="0" smtClean="0"/>
+          </a:p>
+          <a:p>
+            <a:endParaRPr kumimoji="1" lang="ja-JP" altLang="en-US" dirty="0"/>
+          </a:p>
+        </p:txBody>
+      </p:sp>
+    </p:spTree>
+    <p:extLst>
+      <p:ext uri="{BB962C8B-B14F-4D97-AF65-F5344CB8AC3E}">
+        <p14:creationId xmlns:p14="http://schemas.microsoft.com/office/powerpoint/2010/main" val="3817966951"/>
+      </p:ext>
+    </p:extLst>
+  </p:cSld>
+  <p:clrMapOvr>
+    <a:masterClrMapping/>
+  </p:clrMapOvr>
+</p:sld>
+</file>
+
+<file path=ppt/slides/slide8.xml><?xml version="1.0" encoding="utf-8"?>
+<p:sld xmlns:a="http://schemas.openxmlformats.org/drawingml/2006/main" xmlns:r="http://schemas.openxmlformats.org/officeDocument/2006/relationships" xmlns:p="http://schemas.openxmlformats.org/presentationml/2006/main">
+  <p:cSld>
+    <p:spTree>
+      <p:nvGrpSpPr>
+        <p:cNvPr id="1" name=""/>
+        <p:cNvGrpSpPr/>
+        <p:nvPr/>
+      </p:nvGrpSpPr>
+      <p:grpSpPr>
+        <a:xfrm>
+          <a:off x="0" y="0"/>
+          <a:ext cx="0" cy="0"/>
+          <a:chOff x="0" y="0"/>
+          <a:chExt cx="0" cy="0"/>
+        </a:xfrm>
+      </p:grpSpPr>
+      <p:sp>
+        <p:nvSpPr>
           <p:cNvPr id="2" name="タイトル 1"/>
           <p:cNvSpPr>
             <a:spLocks noGrp="1"/>
@@ -5956,6 +6033,255 @@
     <p:extLst>
       <p:ext uri="{BB962C8B-B14F-4D97-AF65-F5344CB8AC3E}">
         <p14:creationId xmlns:p14="http://schemas.microsoft.com/office/powerpoint/2010/main" val="1496593931"/>
+      </p:ext>
+    </p:extLst>
+  </p:cSld>
+  <p:clrMapOvr>
+    <a:masterClrMapping/>
+  </p:clrMapOvr>
+</p:sld>
+</file>
+
+<file path=ppt/slides/slide9.xml><?xml version="1.0" encoding="utf-8"?>
+<p:sld xmlns:a="http://schemas.openxmlformats.org/drawingml/2006/main" xmlns:r="http://schemas.openxmlformats.org/officeDocument/2006/relationships" xmlns:p="http://schemas.openxmlformats.org/presentationml/2006/main">
+  <p:cSld>
+    <p:spTree>
+      <p:nvGrpSpPr>
+        <p:cNvPr id="1" name=""/>
+        <p:cNvGrpSpPr/>
+        <p:nvPr/>
+      </p:nvGrpSpPr>
+      <p:grpSpPr>
+        <a:xfrm>
+          <a:off x="0" y="0"/>
+          <a:ext cx="0" cy="0"/>
+          <a:chOff x="0" y="0"/>
+          <a:chExt cx="0" cy="0"/>
+        </a:xfrm>
+      </p:grpSpPr>
+      <p:sp>
+        <p:nvSpPr>
+          <p:cNvPr id="2" name="タイトル 1"/>
+          <p:cNvSpPr>
+            <a:spLocks noGrp="1"/>
+          </p:cNvSpPr>
+          <p:nvPr>
+            <p:ph type="title"/>
+          </p:nvPr>
+        </p:nvSpPr>
+        <p:spPr/>
+        <p:txBody>
+          <a:bodyPr>
+            <a:normAutofit fontScale="90000"/>
+          </a:bodyPr>
+          <a:lstStyle/>
+          <a:p>
+            <a:r>
+              <a:rPr lang="ja-JP" altLang="en-US" smtClean="0"/>
+              <a:t>生成コード検討</a:t>
+            </a:r>
+            <a:endParaRPr lang="ja-JP" altLang="en-US" dirty="0"/>
+          </a:p>
+        </p:txBody>
+      </p:sp>
+      <p:sp>
+        <p:nvSpPr>
+          <p:cNvPr id="6" name="コンテンツ プレースホルダー 5"/>
+          <p:cNvSpPr>
+            <a:spLocks noGrp="1"/>
+          </p:cNvSpPr>
+          <p:nvPr>
+            <p:ph idx="1"/>
+          </p:nvPr>
+        </p:nvSpPr>
+        <p:spPr>
+          <a:xfrm>
+            <a:off x="838200" y="1177924"/>
+            <a:ext cx="10515600" cy="5387767"/>
+          </a:xfrm>
+        </p:spPr>
+        <p:txBody>
+          <a:bodyPr/>
+          <a:lstStyle/>
+          <a:p>
+            <a:r>
+              <a:rPr lang="ja-JP" altLang="en-US" dirty="0" smtClean="0"/>
+              <a:t>クラス</a:t>
+            </a:r>
+            <a:r>
+              <a:rPr lang="ja-JP" altLang="en-US" dirty="0"/>
+              <a:t>ごとに</a:t>
+            </a:r>
+            <a:r>
+              <a:rPr lang="ja-JP" altLang="en-US" dirty="0" smtClean="0"/>
+              <a:t>，</a:t>
+            </a:r>
+            <a:r>
+              <a:rPr lang="en-US" altLang="ja-JP" dirty="0" smtClean="0"/>
+              <a:t>.</a:t>
+            </a:r>
+            <a:r>
+              <a:rPr lang="en-US" altLang="ja-JP" dirty="0" err="1" smtClean="0"/>
+              <a:t>cpp</a:t>
+            </a:r>
+            <a:r>
+              <a:rPr lang="en-US" altLang="ja-JP" dirty="0" smtClean="0"/>
+              <a:t>, .h</a:t>
+            </a:r>
+            <a:r>
+              <a:rPr lang="ja-JP" altLang="en-US" dirty="0" smtClean="0"/>
+              <a:t>生成</a:t>
+            </a:r>
+            <a:endParaRPr lang="en-US" altLang="ja-JP" dirty="0" smtClean="0"/>
+          </a:p>
+          <a:p>
+            <a:pPr lvl="1"/>
+            <a:r>
+              <a:rPr kumimoji="1" lang="ja-JP" altLang="en-US" dirty="0" smtClean="0"/>
+              <a:t>ステートマシンをもつ場合は，状態遷移コードも生成</a:t>
+            </a:r>
+            <a:endParaRPr kumimoji="1" lang="en-US" altLang="ja-JP" dirty="0" smtClean="0"/>
+          </a:p>
+          <a:p>
+            <a:pPr lvl="1"/>
+            <a:endParaRPr lang="en-US" altLang="ja-JP" dirty="0"/>
+          </a:p>
+          <a:p>
+            <a:r>
+              <a:rPr kumimoji="1" lang="ja-JP" altLang="en-US" dirty="0" smtClean="0"/>
+              <a:t>メインルーチン</a:t>
+            </a:r>
+            <a:r>
+              <a:rPr kumimoji="1" lang="en-US" altLang="ja-JP" dirty="0" err="1" smtClean="0"/>
+              <a:t>ino</a:t>
+            </a:r>
+            <a:r>
+              <a:rPr lang="ja-JP" altLang="en-US" dirty="0" smtClean="0"/>
+              <a:t>生成</a:t>
+            </a:r>
+            <a:endParaRPr lang="en-US" altLang="ja-JP" dirty="0" smtClean="0"/>
+          </a:p>
+          <a:p>
+            <a:pPr lvl="1"/>
+            <a:r>
+              <a:rPr lang="ja-JP" altLang="en-US" dirty="0" smtClean="0"/>
+              <a:t>各クラスのインスタンス生成</a:t>
+            </a:r>
+            <a:endParaRPr lang="en-US" altLang="ja-JP" dirty="0" smtClean="0"/>
+          </a:p>
+          <a:p>
+            <a:pPr lvl="1"/>
+            <a:r>
+              <a:rPr kumimoji="1" lang="ja-JP" altLang="en-US" dirty="0" smtClean="0"/>
+              <a:t>各クラスの</a:t>
+            </a:r>
+            <a:r>
+              <a:rPr kumimoji="1" lang="en-US" altLang="ja-JP" dirty="0" err="1" smtClean="0"/>
+              <a:t>doAction</a:t>
+            </a:r>
+            <a:r>
+              <a:rPr kumimoji="1" lang="ja-JP" altLang="en-US" dirty="0" smtClean="0"/>
+              <a:t>を生成</a:t>
+            </a:r>
+            <a:endParaRPr kumimoji="1" lang="en-US" altLang="ja-JP" dirty="0" smtClean="0"/>
+          </a:p>
+          <a:p>
+            <a:r>
+              <a:rPr kumimoji="1" lang="ja-JP" altLang="en-US" dirty="0" smtClean="0"/>
+              <a:t>イベントモデルはどうしよう</a:t>
+            </a:r>
+            <a:endParaRPr kumimoji="1" lang="en-US" altLang="ja-JP" dirty="0" smtClean="0"/>
+          </a:p>
+          <a:p>
+            <a:pPr lvl="1"/>
+            <a:r>
+              <a:rPr kumimoji="1" lang="en-US" altLang="ja-JP" dirty="0" smtClean="0"/>
+              <a:t>Event Dispatcher</a:t>
+            </a:r>
+            <a:r>
+              <a:rPr kumimoji="1" lang="ja-JP" altLang="en-US" dirty="0" smtClean="0"/>
+              <a:t>：各インスタンスの</a:t>
+            </a:r>
+            <a:r>
+              <a:rPr kumimoji="1" lang="en-US" altLang="ja-JP" dirty="0" smtClean="0"/>
+              <a:t>transition</a:t>
+            </a:r>
+            <a:r>
+              <a:rPr kumimoji="1" lang="ja-JP" altLang="en-US" dirty="0" smtClean="0"/>
+              <a:t>をコールバック登録？</a:t>
+            </a:r>
+            <a:endParaRPr lang="en-US" altLang="ja-JP" dirty="0" smtClean="0"/>
+          </a:p>
+          <a:p>
+            <a:pPr lvl="1"/>
+            <a:r>
+              <a:rPr lang="ja-JP" altLang="en-US" dirty="0" smtClean="0"/>
+              <a:t>インスタンスの</a:t>
+            </a:r>
+            <a:r>
+              <a:rPr lang="en-US" altLang="ja-JP" dirty="0" smtClean="0"/>
+              <a:t>transition</a:t>
+            </a:r>
+            <a:r>
+              <a:rPr lang="ja-JP" altLang="en-US" dirty="0" smtClean="0"/>
+              <a:t>呼び出し？</a:t>
+            </a:r>
+            <a:endParaRPr lang="en-US" altLang="ja-JP" dirty="0" smtClean="0"/>
+          </a:p>
+          <a:p>
+            <a:pPr lvl="1"/>
+            <a:r>
+              <a:rPr lang="en-US" altLang="ja-JP" dirty="0"/>
+              <a:t>【</a:t>
+            </a:r>
+            <a:r>
+              <a:rPr kumimoji="1" lang="ja-JP" altLang="en-US" dirty="0" smtClean="0"/>
+              <a:t>採</a:t>
+            </a:r>
+            <a:r>
+              <a:rPr kumimoji="1" lang="en-US" altLang="ja-JP" dirty="0" smtClean="0"/>
+              <a:t>】</a:t>
+            </a:r>
+            <a:r>
+              <a:rPr kumimoji="1" lang="en-US" altLang="ja-JP" dirty="0" err="1" smtClean="0"/>
+              <a:t>Signleton</a:t>
+            </a:r>
+            <a:r>
+              <a:rPr kumimoji="1" lang="ja-JP" altLang="en-US" dirty="0" smtClean="0"/>
+              <a:t>？</a:t>
+            </a:r>
+            <a:r>
+              <a:rPr kumimoji="1" lang="en-US" altLang="ja-JP" dirty="0" smtClean="0"/>
+              <a:t>transition</a:t>
+            </a:r>
+            <a:r>
+              <a:rPr kumimoji="1" lang="ja-JP" altLang="en-US" dirty="0" smtClean="0"/>
+              <a:t>のオーバーロード</a:t>
+            </a:r>
+            <a:endParaRPr kumimoji="1" lang="en-US" altLang="ja-JP" dirty="0" smtClean="0"/>
+          </a:p>
+          <a:p>
+            <a:pPr lvl="1"/>
+            <a:r>
+              <a:rPr lang="en-US" altLang="ja-JP" dirty="0"/>
+              <a:t>Event </a:t>
+            </a:r>
+            <a:r>
+              <a:rPr lang="en-US" altLang="ja-JP" dirty="0" smtClean="0"/>
+              <a:t>Dispatcher</a:t>
+            </a:r>
+            <a:r>
+              <a:rPr lang="ja-JP" altLang="en-US" dirty="0" smtClean="0"/>
+              <a:t>が依存関係的には少なめ，生成ルールは多少複雑？</a:t>
+            </a:r>
+            <a:endParaRPr kumimoji="1" lang="en-US" altLang="ja-JP" dirty="0" smtClean="0"/>
+          </a:p>
+        </p:txBody>
+      </p:sp>
+    </p:spTree>
+    <p:extLst>
+      <p:ext uri="{BB962C8B-B14F-4D97-AF65-F5344CB8AC3E}">
+        <p14:creationId xmlns:p14="http://schemas.microsoft.com/office/powerpoint/2010/main" val="443569180"/>
       </p:ext>
     </p:extLst>
   </p:cSld>
